--- a/Docs/Présentation/Présentation-1-DF.pptx
+++ b/Docs/Présentation/Présentation-1-DF.pptx
@@ -208,7 +208,7 @@
           <a:p>
             <a:fld id="{79C9FB90-D342-429B-B447-00730E0F0DB4}" type="datetimeFigureOut">
               <a:rPr lang="fr-FR" smtClean="0"/>
-              <a:t>07/12/2024</a:t>
+              <a:t>09/12/2024</a:t>
             </a:fld>
             <a:endParaRPr lang="fr-FR"/>
           </a:p>
@@ -475,6 +475,441 @@
 </p:notesMaster>
 </file>
 
+<file path=ppt/notesSlides/notesSlide1.xml><?xml version="1.0" encoding="utf-8"?>
+<p:notes xmlns:a="http://schemas.openxmlformats.org/drawingml/2006/main" xmlns:r="http://schemas.openxmlformats.org/officeDocument/2006/relationships" xmlns:p="http://schemas.openxmlformats.org/presentationml/2006/main">
+  <p:cSld>
+    <p:spTree>
+      <p:nvGrpSpPr>
+        <p:cNvPr id="1" name=""/>
+        <p:cNvGrpSpPr/>
+        <p:nvPr/>
+      </p:nvGrpSpPr>
+      <p:grpSpPr>
+        <a:xfrm>
+          <a:off x="0" y="0"/>
+          <a:ext cx="0" cy="0"/>
+          <a:chOff x="0" y="0"/>
+          <a:chExt cx="0" cy="0"/>
+        </a:xfrm>
+      </p:grpSpPr>
+      <p:sp>
+        <p:nvSpPr>
+          <p:cNvPr id="2" name="Espace réservé de l'image des diapositives 1"/>
+          <p:cNvSpPr>
+            <a:spLocks noGrp="1" noRot="1" noChangeAspect="1"/>
+          </p:cNvSpPr>
+          <p:nvPr>
+            <p:ph type="sldImg"/>
+          </p:nvPr>
+        </p:nvSpPr>
+        <p:spPr/>
+      </p:sp>
+      <p:sp>
+        <p:nvSpPr>
+          <p:cNvPr id="3" name="Espace réservé des notes 2"/>
+          <p:cNvSpPr>
+            <a:spLocks noGrp="1"/>
+          </p:cNvSpPr>
+          <p:nvPr>
+            <p:ph type="body" idx="1"/>
+          </p:nvPr>
+        </p:nvSpPr>
+        <p:spPr/>
+        <p:txBody>
+          <a:bodyPr/>
+          <a:lstStyle/>
+          <a:p>
+            <a:r>
+              <a:rPr lang="fr-FR" dirty="0"/>
+              <a:t>Le projet consiste en une application multiplateforme permettant aux</a:t>
+            </a:r>
+          </a:p>
+          <a:p>
+            <a:r>
+              <a:rPr lang="fr-FR" dirty="0"/>
+              <a:t>garages de 1 à 10 personnes d'optimiser la gestion de leurs clients, des</a:t>
+            </a:r>
+          </a:p>
+          <a:p>
+            <a:r>
+              <a:rPr lang="fr-FR" dirty="0"/>
+              <a:t>véhicules à entretenir, ainsi que la génération de factures, d'ordres de</a:t>
+            </a:r>
+          </a:p>
+          <a:p>
+            <a:r>
+              <a:rPr lang="fr-FR" dirty="0"/>
+              <a:t>réparation, et l'édition de devis. Une fonctionnalité de gestion d'inventaire</a:t>
+            </a:r>
+          </a:p>
+          <a:p>
+            <a:r>
+              <a:rPr lang="fr-FR" dirty="0"/>
+              <a:t>est également incluse pour suivre un stock de pièces détachées. Cette</a:t>
+            </a:r>
+          </a:p>
+          <a:p>
+            <a:r>
+              <a:rPr lang="fr-FR" dirty="0"/>
+              <a:t>application offre un gain de temps significatif pour les petits garages tout</a:t>
+            </a:r>
+          </a:p>
+          <a:p>
+            <a:r>
+              <a:rPr lang="fr-FR" dirty="0"/>
+              <a:t>en assurant l'historisation des factures et devis. De plus, les factures</a:t>
+            </a:r>
+          </a:p>
+          <a:p>
+            <a:r>
+              <a:rPr lang="fr-FR" dirty="0"/>
+              <a:t>électroniques respecteront les normes obligatoires établies par l'État</a:t>
+            </a:r>
+          </a:p>
+          <a:p>
+            <a:r>
+              <a:rPr lang="fr-FR" dirty="0"/>
+              <a:t>français</a:t>
+            </a:r>
+          </a:p>
+        </p:txBody>
+      </p:sp>
+      <p:sp>
+        <p:nvSpPr>
+          <p:cNvPr id="4" name="Espace réservé du numéro de diapositive 3"/>
+          <p:cNvSpPr>
+            <a:spLocks noGrp="1"/>
+          </p:cNvSpPr>
+          <p:nvPr>
+            <p:ph type="sldNum" sz="quarter" idx="5"/>
+          </p:nvPr>
+        </p:nvSpPr>
+        <p:spPr/>
+        <p:txBody>
+          <a:bodyPr/>
+          <a:lstStyle/>
+          <a:p>
+            <a:fld id="{737F2C13-9299-41EC-995E-302762A18489}" type="slidenum">
+              <a:rPr lang="fr-FR" smtClean="0"/>
+              <a:t>2</a:t>
+            </a:fld>
+            <a:endParaRPr lang="fr-FR"/>
+          </a:p>
+        </p:txBody>
+      </p:sp>
+    </p:spTree>
+    <p:extLst>
+      <p:ext uri="{BB962C8B-B14F-4D97-AF65-F5344CB8AC3E}">
+        <p14:creationId xmlns:p14="http://schemas.microsoft.com/office/powerpoint/2010/main" val="2389128929"/>
+      </p:ext>
+    </p:extLst>
+  </p:cSld>
+  <p:clrMapOvr>
+    <a:masterClrMapping/>
+  </p:clrMapOvr>
+</p:notes>
+</file>
+
+<file path=ppt/notesSlides/notesSlide2.xml><?xml version="1.0" encoding="utf-8"?>
+<p:notes xmlns:a="http://schemas.openxmlformats.org/drawingml/2006/main" xmlns:r="http://schemas.openxmlformats.org/officeDocument/2006/relationships" xmlns:p="http://schemas.openxmlformats.org/presentationml/2006/main">
+  <p:cSld>
+    <p:spTree>
+      <p:nvGrpSpPr>
+        <p:cNvPr id="1" name=""/>
+        <p:cNvGrpSpPr/>
+        <p:nvPr/>
+      </p:nvGrpSpPr>
+      <p:grpSpPr>
+        <a:xfrm>
+          <a:off x="0" y="0"/>
+          <a:ext cx="0" cy="0"/>
+          <a:chOff x="0" y="0"/>
+          <a:chExt cx="0" cy="0"/>
+        </a:xfrm>
+      </p:grpSpPr>
+      <p:sp>
+        <p:nvSpPr>
+          <p:cNvPr id="2" name="Espace réservé de l'image des diapositives 1"/>
+          <p:cNvSpPr>
+            <a:spLocks noGrp="1" noRot="1" noChangeAspect="1"/>
+          </p:cNvSpPr>
+          <p:nvPr>
+            <p:ph type="sldImg"/>
+          </p:nvPr>
+        </p:nvSpPr>
+        <p:spPr/>
+      </p:sp>
+      <p:sp>
+        <p:nvSpPr>
+          <p:cNvPr id="3" name="Espace réservé des notes 2"/>
+          <p:cNvSpPr>
+            <a:spLocks noGrp="1"/>
+          </p:cNvSpPr>
+          <p:nvPr>
+            <p:ph type="body" idx="1"/>
+          </p:nvPr>
+        </p:nvSpPr>
+        <p:spPr/>
+        <p:txBody>
+          <a:bodyPr/>
+          <a:lstStyle/>
+          <a:p>
+            <a:r>
+              <a:rPr lang="fr-FR" dirty="0"/>
+              <a:t>J'ai choisi de développer ce projet car mon père possède un garage, et ses</a:t>
+            </a:r>
+          </a:p>
+          <a:p>
+            <a:r>
+              <a:rPr lang="fr-FR" dirty="0"/>
+              <a:t>confrères ayant des structures similaires utilisent régulièrement des fichiers Excel</a:t>
+            </a:r>
+          </a:p>
+          <a:p>
+            <a:r>
+              <a:rPr lang="fr-FR" dirty="0"/>
+              <a:t>pour enregistrer les données clients et les factures. Une solution logicielle est</a:t>
+            </a:r>
+          </a:p>
+          <a:p>
+            <a:r>
+              <a:rPr lang="fr-FR" dirty="0"/>
+              <a:t>particulièrement utile pour mieux gérer les clients, maintenir un historique des</a:t>
+            </a:r>
+          </a:p>
+          <a:p>
+            <a:r>
+              <a:rPr lang="fr-FR" dirty="0"/>
+              <a:t>réparations des véhicules et des factures, ainsi que se conformer aux normes en</a:t>
+            </a:r>
+          </a:p>
+          <a:p>
+            <a:r>
+              <a:rPr lang="fr-FR" dirty="0"/>
+              <a:t>matière de facturation dématérialisée. je souhaite créer une application beaucoup plus moderne en utilisant</a:t>
+            </a:r>
+          </a:p>
+          <a:p>
+            <a:r>
+              <a:rPr lang="fr-FR" dirty="0"/>
+              <a:t>des techniques et technologies web récentes, afin de mettre en pratique les</a:t>
+            </a:r>
+          </a:p>
+          <a:p>
+            <a:r>
+              <a:rPr lang="fr-FR" dirty="0"/>
+              <a:t>connaissances acquises et de répondre concrètement aux besoins des garages et</a:t>
+            </a:r>
+          </a:p>
+          <a:p>
+            <a:r>
+              <a:rPr lang="fr-FR" dirty="0"/>
+              <a:t>à leurs problématiques, étant donné qu'il s'agit d'un cas concret.</a:t>
+            </a:r>
+          </a:p>
+        </p:txBody>
+      </p:sp>
+      <p:sp>
+        <p:nvSpPr>
+          <p:cNvPr id="4" name="Espace réservé du numéro de diapositive 3"/>
+          <p:cNvSpPr>
+            <a:spLocks noGrp="1"/>
+          </p:cNvSpPr>
+          <p:nvPr>
+            <p:ph type="sldNum" sz="quarter" idx="5"/>
+          </p:nvPr>
+        </p:nvSpPr>
+        <p:spPr/>
+        <p:txBody>
+          <a:bodyPr/>
+          <a:lstStyle/>
+          <a:p>
+            <a:fld id="{737F2C13-9299-41EC-995E-302762A18489}" type="slidenum">
+              <a:rPr lang="fr-FR" smtClean="0"/>
+              <a:t>3</a:t>
+            </a:fld>
+            <a:endParaRPr lang="fr-FR"/>
+          </a:p>
+        </p:txBody>
+      </p:sp>
+    </p:spTree>
+    <p:extLst>
+      <p:ext uri="{BB962C8B-B14F-4D97-AF65-F5344CB8AC3E}">
+        <p14:creationId xmlns:p14="http://schemas.microsoft.com/office/powerpoint/2010/main" val="2435206290"/>
+      </p:ext>
+    </p:extLst>
+  </p:cSld>
+  <p:clrMapOvr>
+    <a:masterClrMapping/>
+  </p:clrMapOvr>
+</p:notes>
+</file>
+
+<file path=ppt/notesSlides/notesSlide3.xml><?xml version="1.0" encoding="utf-8"?>
+<p:notes xmlns:a="http://schemas.openxmlformats.org/drawingml/2006/main" xmlns:r="http://schemas.openxmlformats.org/officeDocument/2006/relationships" xmlns:p="http://schemas.openxmlformats.org/presentationml/2006/main">
+  <p:cSld>
+    <p:spTree>
+      <p:nvGrpSpPr>
+        <p:cNvPr id="1" name=""/>
+        <p:cNvGrpSpPr/>
+        <p:nvPr/>
+      </p:nvGrpSpPr>
+      <p:grpSpPr>
+        <a:xfrm>
+          <a:off x="0" y="0"/>
+          <a:ext cx="0" cy="0"/>
+          <a:chOff x="0" y="0"/>
+          <a:chExt cx="0" cy="0"/>
+        </a:xfrm>
+      </p:grpSpPr>
+      <p:sp>
+        <p:nvSpPr>
+          <p:cNvPr id="2" name="Espace réservé de l'image des diapositives 1"/>
+          <p:cNvSpPr>
+            <a:spLocks noGrp="1" noRot="1" noChangeAspect="1"/>
+          </p:cNvSpPr>
+          <p:nvPr>
+            <p:ph type="sldImg"/>
+          </p:nvPr>
+        </p:nvSpPr>
+        <p:spPr/>
+      </p:sp>
+      <p:sp>
+        <p:nvSpPr>
+          <p:cNvPr id="3" name="Espace réservé des notes 2"/>
+          <p:cNvSpPr>
+            <a:spLocks noGrp="1"/>
+          </p:cNvSpPr>
+          <p:nvPr>
+            <p:ph type="body" idx="1"/>
+          </p:nvPr>
+        </p:nvSpPr>
+        <p:spPr/>
+        <p:txBody>
+          <a:bodyPr/>
+          <a:lstStyle/>
+          <a:p>
+            <a:r>
+              <a:rPr lang="fr-FR" dirty="0"/>
+              <a:t>Connexion sécurisée : Protection des données via une</a:t>
+            </a:r>
+          </a:p>
+          <a:p>
+            <a:r>
+              <a:rPr lang="fr-FR" dirty="0"/>
+              <a:t>authentification sécurisée et des protocoles de chiffrement.</a:t>
+            </a:r>
+          </a:p>
+          <a:p>
+            <a:r>
+              <a:rPr lang="fr-FR" dirty="0"/>
+              <a:t>• Gestion des clients : Stockage et gestion des informations clients.</a:t>
+            </a:r>
+          </a:p>
+          <a:p>
+            <a:r>
+              <a:rPr lang="fr-FR" dirty="0"/>
+              <a:t>• Suivi des véhicules : Enregistrement des détails des véhicules et</a:t>
+            </a:r>
+          </a:p>
+          <a:p>
+            <a:r>
+              <a:rPr lang="fr-FR" dirty="0"/>
+              <a:t>historique complet des réparations.</a:t>
+            </a:r>
+          </a:p>
+          <a:p>
+            <a:r>
+              <a:rPr lang="fr-FR" dirty="0"/>
+              <a:t>• Devis et facturation : Création de devis détaillés et génération de</a:t>
+            </a:r>
+          </a:p>
+          <a:p>
+            <a:r>
+              <a:rPr lang="fr-FR" dirty="0"/>
+              <a:t>factures.</a:t>
+            </a:r>
+          </a:p>
+          <a:p>
+            <a:r>
+              <a:rPr lang="fr-FR" dirty="0"/>
+              <a:t>• Gestion des stocks : Suivi de l'inventaire des pièces détachées et</a:t>
+            </a:r>
+          </a:p>
+          <a:p>
+            <a:r>
+              <a:rPr lang="fr-FR" dirty="0"/>
+              <a:t>consommables.</a:t>
+            </a:r>
+          </a:p>
+          <a:p>
+            <a:r>
+              <a:rPr lang="fr-FR" dirty="0"/>
+              <a:t>• Ordres de réparation : Création et suivi des ordres de réparation.</a:t>
+            </a:r>
+          </a:p>
+          <a:p>
+            <a:r>
+              <a:rPr lang="fr-FR" dirty="0"/>
+              <a:t>• Rapports et analyses : Génération de statistiques et tableaux de bord</a:t>
+            </a:r>
+          </a:p>
+          <a:p>
+            <a:r>
+              <a:rPr lang="fr-FR" dirty="0"/>
+              <a:t>sur l'activité.</a:t>
+            </a:r>
+          </a:p>
+          <a:p>
+            <a:r>
+              <a:rPr lang="fr-FR" dirty="0"/>
+              <a:t>• Fonctionnalité offline : Accès et utilisation de l’application même sans</a:t>
+            </a:r>
+          </a:p>
+          <a:p>
+            <a:r>
+              <a:rPr lang="fr-FR" dirty="0"/>
+              <a:t>connexion internet</a:t>
+            </a:r>
+          </a:p>
+        </p:txBody>
+      </p:sp>
+      <p:sp>
+        <p:nvSpPr>
+          <p:cNvPr id="4" name="Espace réservé du numéro de diapositive 3"/>
+          <p:cNvSpPr>
+            <a:spLocks noGrp="1"/>
+          </p:cNvSpPr>
+          <p:nvPr>
+            <p:ph type="sldNum" sz="quarter" idx="5"/>
+          </p:nvPr>
+        </p:nvSpPr>
+        <p:spPr/>
+        <p:txBody>
+          <a:bodyPr/>
+          <a:lstStyle/>
+          <a:p>
+            <a:fld id="{737F2C13-9299-41EC-995E-302762A18489}" type="slidenum">
+              <a:rPr lang="fr-FR" smtClean="0"/>
+              <a:t>7</a:t>
+            </a:fld>
+            <a:endParaRPr lang="fr-FR"/>
+          </a:p>
+        </p:txBody>
+      </p:sp>
+    </p:spTree>
+    <p:extLst>
+      <p:ext uri="{BB962C8B-B14F-4D97-AF65-F5344CB8AC3E}">
+        <p14:creationId xmlns:p14="http://schemas.microsoft.com/office/powerpoint/2010/main" val="937449167"/>
+      </p:ext>
+    </p:extLst>
+  </p:cSld>
+  <p:clrMapOvr>
+    <a:masterClrMapping/>
+  </p:clrMapOvr>
+</p:notes>
+</file>
+
 <file path=ppt/slideLayouts/slideLayout1.xml><?xml version="1.0" encoding="utf-8"?>
 <p:sldLayout xmlns:a="http://schemas.openxmlformats.org/drawingml/2006/main" xmlns:r="http://schemas.openxmlformats.org/officeDocument/2006/relationships" xmlns:p="http://schemas.openxmlformats.org/presentationml/2006/main" type="title" preserve="1">
   <p:cSld name="Diapositive de titre">
@@ -622,7 +1057,7 @@
           <a:p>
             <a:fld id="{808FBC9B-AF0A-47F7-B46A-3DDF5C5B2556}" type="datetimeFigureOut">
               <a:rPr lang="fr-FR" smtClean="0"/>
-              <a:t>07/12/2024</a:t>
+              <a:t>09/12/2024</a:t>
             </a:fld>
             <a:endParaRPr lang="fr-FR"/>
           </a:p>
@@ -692,13 +1127,13 @@
   <p:clrMapOvr>
     <a:masterClrMapping/>
   </p:clrMapOvr>
-  <mc:AlternateContent xmlns:mc="http://schemas.openxmlformats.org/markup-compatibility/2006">
-    <mc:Choice xmlns:p14="http://schemas.microsoft.com/office/powerpoint/2010/main" Requires="p14">
+  <mc:AlternateContent xmlns:mc="http://schemas.openxmlformats.org/markup-compatibility/2006" xmlns:p14="http://schemas.microsoft.com/office/powerpoint/2010/main">
+    <mc:Choice Requires="p14">
       <p:transition spd="slow" p14:dur="1300">
         <p14:pan dir="u"/>
       </p:transition>
     </mc:Choice>
-    <mc:Fallback>
+    <mc:Fallback xmlns="">
       <p:transition spd="slow">
         <p:fade/>
       </p:transition>
@@ -832,7 +1267,7 @@
           <a:p>
             <a:fld id="{808FBC9B-AF0A-47F7-B46A-3DDF5C5B2556}" type="datetimeFigureOut">
               <a:rPr lang="fr-FR" smtClean="0"/>
-              <a:t>07/12/2024</a:t>
+              <a:t>09/12/2024</a:t>
             </a:fld>
             <a:endParaRPr lang="fr-FR"/>
           </a:p>
@@ -902,13 +1337,13 @@
   <p:clrMapOvr>
     <a:masterClrMapping/>
   </p:clrMapOvr>
-  <mc:AlternateContent xmlns:mc="http://schemas.openxmlformats.org/markup-compatibility/2006">
-    <mc:Choice xmlns:p14="http://schemas.microsoft.com/office/powerpoint/2010/main" Requires="p14">
+  <mc:AlternateContent xmlns:mc="http://schemas.openxmlformats.org/markup-compatibility/2006" xmlns:p14="http://schemas.microsoft.com/office/powerpoint/2010/main">
+    <mc:Choice Requires="p14">
       <p:transition spd="slow" p14:dur="1300">
         <p14:pan dir="u"/>
       </p:transition>
     </mc:Choice>
-    <mc:Fallback>
+    <mc:Fallback xmlns="">
       <p:transition spd="slow">
         <p:fade/>
       </p:transition>
@@ -1052,7 +1487,7 @@
           <a:p>
             <a:fld id="{808FBC9B-AF0A-47F7-B46A-3DDF5C5B2556}" type="datetimeFigureOut">
               <a:rPr lang="fr-FR" smtClean="0"/>
-              <a:t>07/12/2024</a:t>
+              <a:t>09/12/2024</a:t>
             </a:fld>
             <a:endParaRPr lang="fr-FR"/>
           </a:p>
@@ -1122,13 +1557,13 @@
   <p:clrMapOvr>
     <a:masterClrMapping/>
   </p:clrMapOvr>
-  <mc:AlternateContent xmlns:mc="http://schemas.openxmlformats.org/markup-compatibility/2006">
-    <mc:Choice xmlns:p14="http://schemas.microsoft.com/office/powerpoint/2010/main" Requires="p14">
+  <mc:AlternateContent xmlns:mc="http://schemas.openxmlformats.org/markup-compatibility/2006" xmlns:p14="http://schemas.microsoft.com/office/powerpoint/2010/main">
+    <mc:Choice Requires="p14">
       <p:transition spd="slow" p14:dur="1300">
         <p14:pan dir="u"/>
       </p:transition>
     </mc:Choice>
-    <mc:Fallback>
+    <mc:Fallback xmlns="">
       <p:transition spd="slow">
         <p:fade/>
       </p:transition>
@@ -1262,7 +1697,7 @@
           <a:p>
             <a:fld id="{808FBC9B-AF0A-47F7-B46A-3DDF5C5B2556}" type="datetimeFigureOut">
               <a:rPr lang="fr-FR" smtClean="0"/>
-              <a:t>07/12/2024</a:t>
+              <a:t>09/12/2024</a:t>
             </a:fld>
             <a:endParaRPr lang="fr-FR"/>
           </a:p>
@@ -1332,13 +1767,13 @@
   <p:clrMapOvr>
     <a:masterClrMapping/>
   </p:clrMapOvr>
-  <mc:AlternateContent xmlns:mc="http://schemas.openxmlformats.org/markup-compatibility/2006">
-    <mc:Choice xmlns:p14="http://schemas.microsoft.com/office/powerpoint/2010/main" Requires="p14">
+  <mc:AlternateContent xmlns:mc="http://schemas.openxmlformats.org/markup-compatibility/2006" xmlns:p14="http://schemas.microsoft.com/office/powerpoint/2010/main">
+    <mc:Choice Requires="p14">
       <p:transition spd="slow" p14:dur="1300">
         <p14:pan dir="u"/>
       </p:transition>
     </mc:Choice>
-    <mc:Fallback>
+    <mc:Fallback xmlns="">
       <p:transition spd="slow">
         <p:fade/>
       </p:transition>
@@ -1549,7 +1984,7 @@
           <a:p>
             <a:fld id="{808FBC9B-AF0A-47F7-B46A-3DDF5C5B2556}" type="datetimeFigureOut">
               <a:rPr lang="fr-FR" smtClean="0"/>
-              <a:t>07/12/2024</a:t>
+              <a:t>09/12/2024</a:t>
             </a:fld>
             <a:endParaRPr lang="fr-FR"/>
           </a:p>
@@ -1619,13 +2054,13 @@
   <p:clrMapOvr>
     <a:masterClrMapping/>
   </p:clrMapOvr>
-  <mc:AlternateContent xmlns:mc="http://schemas.openxmlformats.org/markup-compatibility/2006">
-    <mc:Choice xmlns:p14="http://schemas.microsoft.com/office/powerpoint/2010/main" Requires="p14">
+  <mc:AlternateContent xmlns:mc="http://schemas.openxmlformats.org/markup-compatibility/2006" xmlns:p14="http://schemas.microsoft.com/office/powerpoint/2010/main">
+    <mc:Choice Requires="p14">
       <p:transition spd="slow" p14:dur="1300">
         <p14:pan dir="u"/>
       </p:transition>
     </mc:Choice>
-    <mc:Fallback>
+    <mc:Fallback xmlns="">
       <p:transition spd="slow">
         <p:fade/>
       </p:transition>
@@ -1826,7 +2261,7 @@
           <a:p>
             <a:fld id="{808FBC9B-AF0A-47F7-B46A-3DDF5C5B2556}" type="datetimeFigureOut">
               <a:rPr lang="fr-FR" smtClean="0"/>
-              <a:t>07/12/2024</a:t>
+              <a:t>09/12/2024</a:t>
             </a:fld>
             <a:endParaRPr lang="fr-FR"/>
           </a:p>
@@ -1896,13 +2331,13 @@
   <p:clrMapOvr>
     <a:masterClrMapping/>
   </p:clrMapOvr>
-  <mc:AlternateContent xmlns:mc="http://schemas.openxmlformats.org/markup-compatibility/2006">
-    <mc:Choice xmlns:p14="http://schemas.microsoft.com/office/powerpoint/2010/main" Requires="p14">
+  <mc:AlternateContent xmlns:mc="http://schemas.openxmlformats.org/markup-compatibility/2006" xmlns:p14="http://schemas.microsoft.com/office/powerpoint/2010/main">
+    <mc:Choice Requires="p14">
       <p:transition spd="slow" p14:dur="1300">
         <p14:pan dir="u"/>
       </p:transition>
     </mc:Choice>
-    <mc:Fallback>
+    <mc:Fallback xmlns="">
       <p:transition spd="slow">
         <p:fade/>
       </p:transition>
@@ -2250,7 +2685,7 @@
           <a:p>
             <a:fld id="{808FBC9B-AF0A-47F7-B46A-3DDF5C5B2556}" type="datetimeFigureOut">
               <a:rPr lang="fr-FR" smtClean="0"/>
-              <a:t>07/12/2024</a:t>
+              <a:t>09/12/2024</a:t>
             </a:fld>
             <a:endParaRPr lang="fr-FR"/>
           </a:p>
@@ -2320,13 +2755,13 @@
   <p:clrMapOvr>
     <a:masterClrMapping/>
   </p:clrMapOvr>
-  <mc:AlternateContent xmlns:mc="http://schemas.openxmlformats.org/markup-compatibility/2006">
-    <mc:Choice xmlns:p14="http://schemas.microsoft.com/office/powerpoint/2010/main" Requires="p14">
+  <mc:AlternateContent xmlns:mc="http://schemas.openxmlformats.org/markup-compatibility/2006" xmlns:p14="http://schemas.microsoft.com/office/powerpoint/2010/main">
+    <mc:Choice Requires="p14">
       <p:transition spd="slow" p14:dur="1300">
         <p14:pan dir="u"/>
       </p:transition>
     </mc:Choice>
-    <mc:Fallback>
+    <mc:Fallback xmlns="">
       <p:transition spd="slow">
         <p:fade/>
       </p:transition>
@@ -2403,7 +2838,7 @@
           <a:p>
             <a:fld id="{808FBC9B-AF0A-47F7-B46A-3DDF5C5B2556}" type="datetimeFigureOut">
               <a:rPr lang="fr-FR" smtClean="0"/>
-              <a:t>07/12/2024</a:t>
+              <a:t>09/12/2024</a:t>
             </a:fld>
             <a:endParaRPr lang="fr-FR"/>
           </a:p>
@@ -2473,13 +2908,13 @@
   <p:clrMapOvr>
     <a:masterClrMapping/>
   </p:clrMapOvr>
-  <mc:AlternateContent xmlns:mc="http://schemas.openxmlformats.org/markup-compatibility/2006">
-    <mc:Choice xmlns:p14="http://schemas.microsoft.com/office/powerpoint/2010/main" Requires="p14">
+  <mc:AlternateContent xmlns:mc="http://schemas.openxmlformats.org/markup-compatibility/2006" xmlns:p14="http://schemas.microsoft.com/office/powerpoint/2010/main">
+    <mc:Choice Requires="p14">
       <p:transition spd="slow" p14:dur="1300">
         <p14:pan dir="u"/>
       </p:transition>
     </mc:Choice>
-    <mc:Fallback>
+    <mc:Fallback xmlns="">
       <p:transition spd="slow">
         <p:fade/>
       </p:transition>
@@ -2528,7 +2963,7 @@
           <a:p>
             <a:fld id="{808FBC9B-AF0A-47F7-B46A-3DDF5C5B2556}" type="datetimeFigureOut">
               <a:rPr lang="fr-FR" smtClean="0"/>
-              <a:t>07/12/2024</a:t>
+              <a:t>09/12/2024</a:t>
             </a:fld>
             <a:endParaRPr lang="fr-FR"/>
           </a:p>
@@ -2598,13 +3033,13 @@
   <p:clrMapOvr>
     <a:masterClrMapping/>
   </p:clrMapOvr>
-  <mc:AlternateContent xmlns:mc="http://schemas.openxmlformats.org/markup-compatibility/2006">
-    <mc:Choice xmlns:p14="http://schemas.microsoft.com/office/powerpoint/2010/main" Requires="p14">
+  <mc:AlternateContent xmlns:mc="http://schemas.openxmlformats.org/markup-compatibility/2006" xmlns:p14="http://schemas.microsoft.com/office/powerpoint/2010/main">
+    <mc:Choice Requires="p14">
       <p:transition spd="slow" p14:dur="1300">
         <p14:pan dir="u"/>
       </p:transition>
     </mc:Choice>
-    <mc:Fallback>
+    <mc:Fallback xmlns="">
       <p:transition spd="slow">
         <p:fade/>
       </p:transition>
@@ -2851,7 +3286,7 @@
           <a:p>
             <a:fld id="{808FBC9B-AF0A-47F7-B46A-3DDF5C5B2556}" type="datetimeFigureOut">
               <a:rPr lang="fr-FR" smtClean="0"/>
-              <a:t>07/12/2024</a:t>
+              <a:t>09/12/2024</a:t>
             </a:fld>
             <a:endParaRPr lang="fr-FR"/>
           </a:p>
@@ -2921,13 +3356,13 @@
   <p:clrMapOvr>
     <a:masterClrMapping/>
   </p:clrMapOvr>
-  <mc:AlternateContent xmlns:mc="http://schemas.openxmlformats.org/markup-compatibility/2006">
-    <mc:Choice xmlns:p14="http://schemas.microsoft.com/office/powerpoint/2010/main" Requires="p14">
+  <mc:AlternateContent xmlns:mc="http://schemas.openxmlformats.org/markup-compatibility/2006" xmlns:p14="http://schemas.microsoft.com/office/powerpoint/2010/main">
+    <mc:Choice Requires="p14">
       <p:transition spd="slow" p14:dur="1300">
         <p14:pan dir="u"/>
       </p:transition>
     </mc:Choice>
-    <mc:Fallback>
+    <mc:Fallback xmlns="">
       <p:transition spd="slow">
         <p:fade/>
       </p:transition>
@@ -3151,7 +3586,7 @@
           <a:p>
             <a:fld id="{808FBC9B-AF0A-47F7-B46A-3DDF5C5B2556}" type="datetimeFigureOut">
               <a:rPr lang="fr-FR" smtClean="0"/>
-              <a:t>07/12/2024</a:t>
+              <a:t>09/12/2024</a:t>
             </a:fld>
             <a:endParaRPr lang="fr-FR"/>
           </a:p>
@@ -3221,13 +3656,13 @@
   <p:clrMapOvr>
     <a:masterClrMapping/>
   </p:clrMapOvr>
-  <mc:AlternateContent xmlns:mc="http://schemas.openxmlformats.org/markup-compatibility/2006">
-    <mc:Choice xmlns:p14="http://schemas.microsoft.com/office/powerpoint/2010/main" Requires="p14">
+  <mc:AlternateContent xmlns:mc="http://schemas.openxmlformats.org/markup-compatibility/2006" xmlns:p14="http://schemas.microsoft.com/office/powerpoint/2010/main">
+    <mc:Choice Requires="p14">
       <p:transition spd="slow" p14:dur="1300">
         <p14:pan dir="u"/>
       </p:transition>
     </mc:Choice>
-    <mc:Fallback>
+    <mc:Fallback xmlns="">
       <p:transition spd="slow">
         <p:fade/>
       </p:transition>
@@ -3413,7 +3848,7 @@
           <a:p>
             <a:fld id="{808FBC9B-AF0A-47F7-B46A-3DDF5C5B2556}" type="datetimeFigureOut">
               <a:rPr lang="fr-FR" smtClean="0"/>
-              <a:t>07/12/2024</a:t>
+              <a:t>09/12/2024</a:t>
             </a:fld>
             <a:endParaRPr lang="fr-FR"/>
           </a:p>
@@ -3530,13 +3965,13 @@
     <p:sldLayoutId id="2147483658" r:id="rId10"/>
     <p:sldLayoutId id="2147483659" r:id="rId11"/>
   </p:sldLayoutIdLst>
-  <mc:AlternateContent xmlns:mc="http://schemas.openxmlformats.org/markup-compatibility/2006">
-    <mc:Choice xmlns:p14="http://schemas.microsoft.com/office/powerpoint/2010/main" Requires="p14">
+  <mc:AlternateContent xmlns:mc="http://schemas.openxmlformats.org/markup-compatibility/2006" xmlns:p14="http://schemas.microsoft.com/office/powerpoint/2010/main">
+    <mc:Choice Requires="p14">
       <p:transition spd="slow" p14:dur="1300">
         <p14:pan dir="u"/>
       </p:transition>
     </mc:Choice>
-    <mc:Fallback>
+    <mc:Fallback xmlns="">
       <p:transition spd="slow">
         <p:fade/>
       </p:transition>
@@ -3997,7 +4432,7 @@
         </p:nvSpPr>
         <p:spPr>
           <a:xfrm>
-            <a:off x="5174742" y="2258568"/>
+            <a:off x="5174742" y="1673352"/>
             <a:ext cx="6209538" cy="1938992"/>
           </a:xfrm>
           <a:prstGeom prst="rect">
@@ -4035,7 +4470,7 @@
         </p:nvGrpSpPr>
         <p:grpSpPr>
           <a:xfrm>
-            <a:off x="2170630" y="2025701"/>
+            <a:off x="2170630" y="1440485"/>
             <a:ext cx="2398886" cy="2398885"/>
             <a:chOff x="2170630" y="2025701"/>
             <a:chExt cx="2398886" cy="2398885"/>
@@ -4388,6 +4823,53 @@
           </a:p>
         </p:txBody>
       </p:sp>
+      <p:sp>
+        <p:nvSpPr>
+          <p:cNvPr id="4" name="ZoneTexte 3">
+            <a:extLst>
+              <a:ext uri="{FF2B5EF4-FFF2-40B4-BE49-F238E27FC236}">
+                <a16:creationId xmlns:a16="http://schemas.microsoft.com/office/drawing/2014/main" id="{6E93E5F8-585F-C61C-FE56-8AE851EDE901}"/>
+              </a:ext>
+            </a:extLst>
+          </p:cNvPr>
+          <p:cNvSpPr txBox="1"/>
+          <p:nvPr/>
+        </p:nvSpPr>
+        <p:spPr>
+          <a:xfrm>
+            <a:off x="442722" y="4520924"/>
+            <a:ext cx="11306556" cy="584775"/>
+          </a:xfrm>
+          <a:prstGeom prst="rect">
+            <a:avLst/>
+          </a:prstGeom>
+          <a:noFill/>
+        </p:spPr>
+        <p:txBody>
+          <a:bodyPr wrap="square">
+            <a:spAutoFit/>
+          </a:bodyPr>
+          <a:lstStyle/>
+          <a:p>
+            <a:pPr algn="ctr"/>
+            <a:r>
+              <a:rPr lang="fr-FR" sz="1600" dirty="0">
+                <a:latin typeface="Garet Book" pitchFamily="50" charset="0"/>
+              </a:rPr>
+              <a:t>Application multiplateforme pour optimiser la gestion des garages. Une solution</a:t>
+            </a:r>
+          </a:p>
+          <a:p>
+            <a:pPr algn="ctr"/>
+            <a:r>
+              <a:rPr lang="fr-FR" sz="1600" dirty="0">
+                <a:latin typeface="Garet Book" pitchFamily="50" charset="0"/>
+              </a:rPr>
+              <a:t>web et mobile tout- en-un pour les indépendants et petites équipes</a:t>
+            </a:r>
+          </a:p>
+        </p:txBody>
+      </p:sp>
     </p:spTree>
     <p:extLst>
       <p:ext uri="{BB962C8B-B14F-4D97-AF65-F5344CB8AC3E}">
@@ -4398,13 +4880,13 @@
   <p:clrMapOvr>
     <a:masterClrMapping/>
   </p:clrMapOvr>
-  <mc:AlternateContent xmlns:mc="http://schemas.openxmlformats.org/markup-compatibility/2006">
-    <mc:Choice xmlns:p14="http://schemas.microsoft.com/office/powerpoint/2010/main" Requires="p14">
+  <mc:AlternateContent xmlns:mc="http://schemas.openxmlformats.org/markup-compatibility/2006" xmlns:p14="http://schemas.microsoft.com/office/powerpoint/2010/main">
+    <mc:Choice Requires="p14">
       <p:transition spd="slow" p14:dur="1300">
         <p14:pan dir="u"/>
       </p:transition>
     </mc:Choice>
-    <mc:Fallback>
+    <mc:Fallback xmlns="">
       <p:transition spd="slow">
         <p:fade/>
       </p:transition>
@@ -4537,6 +5019,96 @@
                             </p:childTnLst>
                           </p:cTn>
                         </p:par>
+                        <p:par>
+                          <p:cTn id="11" fill="hold">
+                            <p:stCondLst>
+                              <p:cond delay="1000"/>
+                            </p:stCondLst>
+                            <p:childTnLst>
+                              <p:par>
+                                <p:cTn id="12" presetID="42" presetClass="entr" presetSubtype="0" fill="hold" grpId="0" nodeType="afterEffect">
+                                  <p:stCondLst>
+                                    <p:cond delay="0"/>
+                                  </p:stCondLst>
+                                  <p:childTnLst>
+                                    <p:set>
+                                      <p:cBhvr>
+                                        <p:cTn id="13" dur="1" fill="hold">
+                                          <p:stCondLst>
+                                            <p:cond delay="0"/>
+                                          </p:stCondLst>
+                                        </p:cTn>
+                                        <p:tgtEl>
+                                          <p:spTgt spid="4"/>
+                                        </p:tgtEl>
+                                        <p:attrNameLst>
+                                          <p:attrName>style.visibility</p:attrName>
+                                        </p:attrNameLst>
+                                      </p:cBhvr>
+                                      <p:to>
+                                        <p:strVal val="visible"/>
+                                      </p:to>
+                                    </p:set>
+                                    <p:animEffect transition="in" filter="fade">
+                                      <p:cBhvr>
+                                        <p:cTn id="14" dur="1000"/>
+                                        <p:tgtEl>
+                                          <p:spTgt spid="4"/>
+                                        </p:tgtEl>
+                                      </p:cBhvr>
+                                    </p:animEffect>
+                                    <p:anim calcmode="lin" valueType="num">
+                                      <p:cBhvr>
+                                        <p:cTn id="15" dur="1000" fill="hold"/>
+                                        <p:tgtEl>
+                                          <p:spTgt spid="4"/>
+                                        </p:tgtEl>
+                                        <p:attrNameLst>
+                                          <p:attrName>ppt_x</p:attrName>
+                                        </p:attrNameLst>
+                                      </p:cBhvr>
+                                      <p:tavLst>
+                                        <p:tav tm="0">
+                                          <p:val>
+                                            <p:strVal val="#ppt_x"/>
+                                          </p:val>
+                                        </p:tav>
+                                        <p:tav tm="100000">
+                                          <p:val>
+                                            <p:strVal val="#ppt_x"/>
+                                          </p:val>
+                                        </p:tav>
+                                      </p:tavLst>
+                                    </p:anim>
+                                    <p:anim calcmode="lin" valueType="num">
+                                      <p:cBhvr>
+                                        <p:cTn id="16" dur="1000" fill="hold"/>
+                                        <p:tgtEl>
+                                          <p:spTgt spid="4"/>
+                                        </p:tgtEl>
+                                        <p:attrNameLst>
+                                          <p:attrName>ppt_y</p:attrName>
+                                        </p:attrNameLst>
+                                      </p:cBhvr>
+                                      <p:tavLst>
+                                        <p:tav tm="0">
+                                          <p:val>
+                                            <p:strVal val="#ppt_y+.1"/>
+                                          </p:val>
+                                        </p:tav>
+                                        <p:tav tm="100000">
+                                          <p:val>
+                                            <p:strVal val="#ppt_y"/>
+                                          </p:val>
+                                        </p:tav>
+                                      </p:tavLst>
+                                    </p:anim>
+                                  </p:childTnLst>
+                                </p:cTn>
+                              </p:par>
+                            </p:childTnLst>
+                          </p:cTn>
+                        </p:par>
                       </p:childTnLst>
                     </p:cTn>
                   </p:par>
@@ -4561,12 +5133,15 @@
         </p:cTn>
       </p:par>
     </p:tnLst>
+    <p:bldLst>
+      <p:bldP spid="4" grpId="0"/>
+    </p:bldLst>
   </p:timing>
 </p:sld>
 </file>
 
 <file path=ppt/slides/slide10.xml><?xml version="1.0" encoding="utf-8"?>
-<p:sld xmlns:a="http://schemas.openxmlformats.org/drawingml/2006/main" xmlns:r="http://schemas.openxmlformats.org/officeDocument/2006/relationships" xmlns:p="http://schemas.openxmlformats.org/presentationml/2006/main">
+<p:sld xmlns:a="http://schemas.openxmlformats.org/drawingml/2006/main" xmlns:r="http://schemas.openxmlformats.org/officeDocument/2006/relationships" xmlns:p="http://schemas.openxmlformats.org/presentationml/2006/main" show="0">
   <p:cSld>
     <p:spTree>
       <p:nvGrpSpPr>
@@ -4696,13 +5271,13 @@
   <p:clrMapOvr>
     <a:masterClrMapping/>
   </p:clrMapOvr>
-  <mc:AlternateContent xmlns:mc="http://schemas.openxmlformats.org/markup-compatibility/2006">
-    <mc:Choice xmlns:p14="http://schemas.microsoft.com/office/powerpoint/2010/main" Requires="p14">
+  <mc:AlternateContent xmlns:mc="http://schemas.openxmlformats.org/markup-compatibility/2006" xmlns:p14="http://schemas.microsoft.com/office/powerpoint/2010/main">
+    <mc:Choice Requires="p14">
       <p:transition spd="slow" p14:dur="1300">
         <p14:pan dir="u"/>
       </p:transition>
     </mc:Choice>
-    <mc:Fallback>
+    <mc:Fallback xmlns="">
       <p:transition spd="slow">
         <p:fade/>
       </p:transition>
@@ -4798,7 +5373,7 @@
 </file>
 
 <file path=ppt/slides/slide11.xml><?xml version="1.0" encoding="utf-8"?>
-<p:sld xmlns:a="http://schemas.openxmlformats.org/drawingml/2006/main" xmlns:r="http://schemas.openxmlformats.org/officeDocument/2006/relationships" xmlns:p="http://schemas.openxmlformats.org/presentationml/2006/main">
+<p:sld xmlns:a="http://schemas.openxmlformats.org/drawingml/2006/main" xmlns:r="http://schemas.openxmlformats.org/officeDocument/2006/relationships" xmlns:p="http://schemas.openxmlformats.org/presentationml/2006/main" show="0">
   <p:cSld>
     <p:spTree>
       <p:nvGrpSpPr>
@@ -5013,13 +5588,13 @@
   <p:clrMapOvr>
     <a:masterClrMapping/>
   </p:clrMapOvr>
-  <mc:AlternateContent xmlns:mc="http://schemas.openxmlformats.org/markup-compatibility/2006">
-    <mc:Choice xmlns:p14="http://schemas.microsoft.com/office/powerpoint/2010/main" Requires="p14">
+  <mc:AlternateContent xmlns:mc="http://schemas.openxmlformats.org/markup-compatibility/2006" xmlns:p14="http://schemas.microsoft.com/office/powerpoint/2010/main">
+    <mc:Choice Requires="p14">
       <p:transition spd="slow" p14:dur="1300">
         <p14:pan dir="u"/>
       </p:transition>
     </mc:Choice>
-    <mc:Fallback>
+    <mc:Fallback xmlns="">
       <p:transition spd="slow">
         <p:fade/>
       </p:transition>
@@ -5265,7 +5840,7 @@
         <p:spPr>
           <a:xfrm>
             <a:off x="10860024" y="6117336"/>
-            <a:ext cx="905256" cy="369332"/>
+            <a:ext cx="961862" cy="369332"/>
           </a:xfrm>
           <a:prstGeom prst="rect">
             <a:avLst/>
@@ -5283,7 +5858,7 @@
               <a:rPr lang="fr-FR" dirty="0">
                 <a:latin typeface="Garet Heavy" pitchFamily="2" charset="0"/>
               </a:rPr>
-              <a:t>11/11</a:t>
+              <a:t>07/07</a:t>
             </a:r>
           </a:p>
         </p:txBody>
@@ -5298,13 +5873,13 @@
   <p:clrMapOvr>
     <a:masterClrMapping/>
   </p:clrMapOvr>
-  <mc:AlternateContent xmlns:mc="http://schemas.openxmlformats.org/markup-compatibility/2006">
-    <mc:Choice xmlns:p14="http://schemas.microsoft.com/office/powerpoint/2010/main" Requires="p14">
+  <mc:AlternateContent xmlns:mc="http://schemas.openxmlformats.org/markup-compatibility/2006" xmlns:p14="http://schemas.microsoft.com/office/powerpoint/2010/main">
+    <mc:Choice Requires="p14">
       <p:transition spd="slow" p14:dur="1300">
         <p14:pan dir="u"/>
       </p:transition>
     </mc:Choice>
-    <mc:Fallback>
+    <mc:Fallback xmlns="">
       <p:transition spd="slow">
         <p:fade/>
       </p:transition>
@@ -5575,7 +6150,7 @@
           <p:nvPr/>
         </p:nvPicPr>
         <p:blipFill>
-          <a:blip r:embed="rId2">
+          <a:blip r:embed="rId3">
             <a:extLst>
               <a:ext uri="{28A0092B-C50C-407E-A947-70E740481C1C}">
                 <a14:useLocalDpi xmlns:a14="http://schemas.microsoft.com/office/drawing/2010/main" val="0"/>
@@ -5629,7 +6204,7 @@
               <a:rPr lang="fr-FR" dirty="0">
                 <a:latin typeface="Garet Heavy" pitchFamily="2" charset="0"/>
               </a:rPr>
-              <a:t>01/11</a:t>
+              <a:t>01/07</a:t>
             </a:r>
           </a:p>
         </p:txBody>
@@ -5644,13 +6219,13 @@
   <p:clrMapOvr>
     <a:masterClrMapping/>
   </p:clrMapOvr>
-  <mc:AlternateContent xmlns:mc="http://schemas.openxmlformats.org/markup-compatibility/2006">
-    <mc:Choice xmlns:p14="http://schemas.microsoft.com/office/powerpoint/2010/main" Requires="p14">
+  <mc:AlternateContent xmlns:mc="http://schemas.openxmlformats.org/markup-compatibility/2006" xmlns:p14="http://schemas.microsoft.com/office/powerpoint/2010/main">
+    <mc:Choice Requires="p14">
       <p:transition spd="slow" p14:dur="1300">
         <p14:pan dir="u"/>
       </p:transition>
     </mc:Choice>
-    <mc:Fallback>
+    <mc:Fallback xmlns="">
       <p:transition spd="slow">
         <p:fade/>
       </p:transition>
@@ -5705,7 +6280,7 @@
                                     </p:set>
                                     <p:anim calcmode="lin" valueType="num">
                                       <p:cBhvr>
-                                        <p:cTn id="7" dur="500" fill="hold"/>
+                                        <p:cTn id="7" dur="1000" fill="hold"/>
                                         <p:tgtEl>
                                           <p:spTgt spid="12"/>
                                         </p:tgtEl>
@@ -5728,7 +6303,7 @@
                                     </p:anim>
                                     <p:anim calcmode="lin" valueType="num">
                                       <p:cBhvr>
-                                        <p:cTn id="8" dur="500" fill="hold"/>
+                                        <p:cTn id="8" dur="1000" fill="hold"/>
                                         <p:tgtEl>
                                           <p:spTgt spid="12"/>
                                         </p:tgtEl>
@@ -5751,7 +6326,7 @@
                                     </p:anim>
                                     <p:animEffect transition="in" filter="fade">
                                       <p:cBhvr>
-                                        <p:cTn id="9" dur="500"/>
+                                        <p:cTn id="9" dur="1000"/>
                                         <p:tgtEl>
                                           <p:spTgt spid="12"/>
                                         </p:tgtEl>
@@ -5864,7 +6439,7 @@
           <p:nvPr/>
         </p:nvPicPr>
         <p:blipFill>
-          <a:blip r:embed="rId2">
+          <a:blip r:embed="rId3">
             <a:extLst>
               <a:ext uri="{28A0092B-C50C-407E-A947-70E740481C1C}">
                 <a14:useLocalDpi xmlns:a14="http://schemas.microsoft.com/office/drawing/2010/main" val="0"/>
@@ -5938,10 +6513,10 @@
           <p:nvPr/>
         </p:nvPicPr>
         <p:blipFill>
-          <a:blip r:embed="rId3">
+          <a:blip r:embed="rId4">
             <a:extLst>
               <a:ext uri="{96DAC541-7B7A-43D3-8B79-37D633B846F1}">
-                <asvg:svgBlip xmlns:asvg="http://schemas.microsoft.com/office/drawing/2016/SVG/main" r:embed="rId4"/>
+                <asvg:svgBlip xmlns:asvg="http://schemas.microsoft.com/office/drawing/2016/SVG/main" r:embed="rId5"/>
               </a:ext>
             </a:extLst>
           </a:blip>
@@ -6021,10 +6596,10 @@
           <p:nvPr/>
         </p:nvPicPr>
         <p:blipFill>
-          <a:blip r:embed="rId3">
+          <a:blip r:embed="rId4">
             <a:extLst>
               <a:ext uri="{96DAC541-7B7A-43D3-8B79-37D633B846F1}">
-                <asvg:svgBlip xmlns:asvg="http://schemas.microsoft.com/office/drawing/2016/SVG/main" r:embed="rId4"/>
+                <asvg:svgBlip xmlns:asvg="http://schemas.microsoft.com/office/drawing/2016/SVG/main" r:embed="rId5"/>
               </a:ext>
             </a:extLst>
           </a:blip>
@@ -6104,10 +6679,10 @@
           <p:nvPr/>
         </p:nvPicPr>
         <p:blipFill>
-          <a:blip r:embed="rId3">
+          <a:blip r:embed="rId4">
             <a:extLst>
               <a:ext uri="{96DAC541-7B7A-43D3-8B79-37D633B846F1}">
-                <asvg:svgBlip xmlns:asvg="http://schemas.microsoft.com/office/drawing/2016/SVG/main" r:embed="rId4"/>
+                <asvg:svgBlip xmlns:asvg="http://schemas.microsoft.com/office/drawing/2016/SVG/main" r:embed="rId5"/>
               </a:ext>
             </a:extLst>
           </a:blip>
@@ -6187,10 +6762,10 @@
           <p:nvPr/>
         </p:nvPicPr>
         <p:blipFill>
-          <a:blip r:embed="rId3">
+          <a:blip r:embed="rId4">
             <a:extLst>
               <a:ext uri="{96DAC541-7B7A-43D3-8B79-37D633B846F1}">
-                <asvg:svgBlip xmlns:asvg="http://schemas.microsoft.com/office/drawing/2016/SVG/main" r:embed="rId4"/>
+                <asvg:svgBlip xmlns:asvg="http://schemas.microsoft.com/office/drawing/2016/SVG/main" r:embed="rId5"/>
               </a:ext>
             </a:extLst>
           </a:blip>
@@ -6270,10 +6845,10 @@
           <p:nvPr/>
         </p:nvPicPr>
         <p:blipFill>
-          <a:blip r:embed="rId3">
+          <a:blip r:embed="rId4">
             <a:extLst>
               <a:ext uri="{96DAC541-7B7A-43D3-8B79-37D633B846F1}">
-                <asvg:svgBlip xmlns:asvg="http://schemas.microsoft.com/office/drawing/2016/SVG/main" r:embed="rId4"/>
+                <asvg:svgBlip xmlns:asvg="http://schemas.microsoft.com/office/drawing/2016/SVG/main" r:embed="rId5"/>
               </a:ext>
             </a:extLst>
           </a:blip>
@@ -6344,7 +6919,7 @@
         <p:spPr>
           <a:xfrm>
             <a:off x="10860024" y="6117336"/>
-            <a:ext cx="905256" cy="369332"/>
+            <a:ext cx="940090" cy="369332"/>
           </a:xfrm>
           <a:prstGeom prst="rect">
             <a:avLst/>
@@ -6362,7 +6937,7 @@
               <a:rPr lang="fr-FR" dirty="0">
                 <a:latin typeface="Garet Heavy" pitchFamily="2" charset="0"/>
               </a:rPr>
-              <a:t>02/11</a:t>
+              <a:t>02/07</a:t>
             </a:r>
           </a:p>
         </p:txBody>
@@ -6377,13 +6952,13 @@
   <p:clrMapOvr>
     <a:masterClrMapping/>
   </p:clrMapOvr>
-  <mc:AlternateContent xmlns:mc="http://schemas.openxmlformats.org/markup-compatibility/2006">
-    <mc:Choice xmlns:p14="http://schemas.microsoft.com/office/powerpoint/2010/main" Requires="p14">
+  <mc:AlternateContent xmlns:mc="http://schemas.openxmlformats.org/markup-compatibility/2006" xmlns:p14="http://schemas.microsoft.com/office/powerpoint/2010/main">
+    <mc:Choice Requires="p14">
       <p:transition spd="slow" p14:dur="1300">
         <p14:pan dir="u"/>
       </p:transition>
     </mc:Choice>
-    <mc:Fallback>
+    <mc:Fallback xmlns="">
       <p:transition spd="slow">
         <p:fade/>
       </p:transition>
@@ -7398,8 +7973,8 @@
         </p:nvSpPr>
         <p:spPr>
           <a:xfrm>
-            <a:off x="10860024" y="6117336"/>
-            <a:ext cx="905256" cy="369332"/>
+            <a:off x="10860023" y="6117336"/>
+            <a:ext cx="983633" cy="369332"/>
           </a:xfrm>
           <a:prstGeom prst="rect">
             <a:avLst/>
@@ -7417,7 +7992,7 @@
               <a:rPr lang="fr-FR" dirty="0">
                 <a:latin typeface="Garet Heavy" pitchFamily="2" charset="0"/>
               </a:rPr>
-              <a:t>03/11</a:t>
+              <a:t>03/07</a:t>
             </a:r>
           </a:p>
         </p:txBody>
@@ -7432,13 +8007,13 @@
   <p:clrMapOvr>
     <a:masterClrMapping/>
   </p:clrMapOvr>
-  <mc:AlternateContent xmlns:mc="http://schemas.openxmlformats.org/markup-compatibility/2006">
-    <mc:Choice xmlns:p14="http://schemas.microsoft.com/office/powerpoint/2010/main" Requires="p14">
+  <mc:AlternateContent xmlns:mc="http://schemas.openxmlformats.org/markup-compatibility/2006" xmlns:p14="http://schemas.microsoft.com/office/powerpoint/2010/main">
+    <mc:Choice Requires="p14">
       <p:transition spd="slow" p14:dur="1300">
         <p14:pan dir="u"/>
       </p:transition>
     </mc:Choice>
-    <mc:Fallback>
+    <mc:Fallback xmlns="">
       <p:transition spd="slow">
         <p:fade/>
       </p:transition>
@@ -7939,8 +8514,8 @@
         </p:nvSpPr>
         <p:spPr>
           <a:xfrm>
-            <a:off x="10860024" y="6117336"/>
-            <a:ext cx="905256" cy="369332"/>
+            <a:off x="10860023" y="6117336"/>
+            <a:ext cx="983633" cy="369332"/>
           </a:xfrm>
           <a:prstGeom prst="rect">
             <a:avLst/>
@@ -7958,7 +8533,7 @@
               <a:rPr lang="fr-FR" dirty="0">
                 <a:latin typeface="Garet Heavy" pitchFamily="2" charset="0"/>
               </a:rPr>
-              <a:t>04/11</a:t>
+              <a:t>04/07</a:t>
             </a:r>
           </a:p>
         </p:txBody>
@@ -7973,13 +8548,13 @@
   <p:clrMapOvr>
     <a:masterClrMapping/>
   </p:clrMapOvr>
-  <mc:AlternateContent xmlns:mc="http://schemas.openxmlformats.org/markup-compatibility/2006">
-    <mc:Choice xmlns:p14="http://schemas.microsoft.com/office/powerpoint/2010/main" Requires="p14">
+  <mc:AlternateContent xmlns:mc="http://schemas.openxmlformats.org/markup-compatibility/2006" xmlns:p14="http://schemas.microsoft.com/office/powerpoint/2010/main">
+    <mc:Choice Requires="p14">
       <p:transition spd="slow" p14:dur="1300">
         <p14:pan dir="u"/>
       </p:transition>
     </mc:Choice>
-    <mc:Fallback>
+    <mc:Fallback xmlns="">
       <p:transition spd="slow">
         <p:fade/>
       </p:transition>
@@ -8472,7 +9047,7 @@
         <p:spPr>
           <a:xfrm>
             <a:off x="10860024" y="6117336"/>
-            <a:ext cx="905256" cy="369332"/>
+            <a:ext cx="1005840" cy="369332"/>
           </a:xfrm>
           <a:prstGeom prst="rect">
             <a:avLst/>
@@ -8490,7 +9065,7 @@
               <a:rPr lang="fr-FR" dirty="0">
                 <a:latin typeface="Garet Heavy" pitchFamily="2" charset="0"/>
               </a:rPr>
-              <a:t>05/11</a:t>
+              <a:t>05/07</a:t>
             </a:r>
           </a:p>
         </p:txBody>
@@ -8505,13 +9080,13 @@
   <p:clrMapOvr>
     <a:masterClrMapping/>
   </p:clrMapOvr>
-  <mc:AlternateContent xmlns:mc="http://schemas.openxmlformats.org/markup-compatibility/2006">
-    <mc:Choice xmlns:p14="http://schemas.microsoft.com/office/powerpoint/2010/main" Requires="p14">
+  <mc:AlternateContent xmlns:mc="http://schemas.openxmlformats.org/markup-compatibility/2006" xmlns:p14="http://schemas.microsoft.com/office/powerpoint/2010/main">
+    <mc:Choice Requires="p14">
       <p:transition spd="slow" p14:dur="1300">
         <p14:pan dir="u"/>
       </p:transition>
     </mc:Choice>
-    <mc:Fallback>
+    <mc:Fallback xmlns="">
       <p:transition spd="slow">
         <p:fade/>
       </p:transition>
@@ -10235,10 +10810,10 @@
           <p:nvPr/>
         </p:nvPicPr>
         <p:blipFill>
-          <a:blip r:embed="rId2">
+          <a:blip r:embed="rId3">
             <a:extLst>
               <a:ext uri="{96DAC541-7B7A-43D3-8B79-37D633B846F1}">
-                <asvg:svgBlip xmlns:asvg="http://schemas.microsoft.com/office/drawing/2016/SVG/main" r:embed="rId3"/>
+                <asvg:svgBlip xmlns:asvg="http://schemas.microsoft.com/office/drawing/2016/SVG/main" r:embed="rId4"/>
               </a:ext>
             </a:extLst>
           </a:blip>
@@ -10270,8 +10845,8 @@
         </p:nvSpPr>
         <p:spPr>
           <a:xfrm>
-            <a:off x="10860024" y="6117336"/>
-            <a:ext cx="905256" cy="369332"/>
+            <a:off x="10860023" y="6117336"/>
+            <a:ext cx="972747" cy="369332"/>
           </a:xfrm>
           <a:prstGeom prst="rect">
             <a:avLst/>
@@ -10289,7 +10864,7 @@
               <a:rPr lang="fr-FR" dirty="0">
                 <a:latin typeface="Garet Heavy" pitchFamily="2" charset="0"/>
               </a:rPr>
-              <a:t>06/11</a:t>
+              <a:t>06/07</a:t>
             </a:r>
           </a:p>
         </p:txBody>
@@ -10304,13 +10879,13 @@
   <p:clrMapOvr>
     <a:masterClrMapping/>
   </p:clrMapOvr>
-  <mc:AlternateContent xmlns:mc="http://schemas.openxmlformats.org/markup-compatibility/2006">
-    <mc:Choice xmlns:p14="http://schemas.microsoft.com/office/powerpoint/2010/main" Requires="p14">
+  <mc:AlternateContent xmlns:mc="http://schemas.openxmlformats.org/markup-compatibility/2006" xmlns:p14="http://schemas.microsoft.com/office/powerpoint/2010/main">
+    <mc:Choice Requires="p14">
       <p:transition spd="slow" p14:dur="1300">
         <p14:pan dir="u"/>
       </p:transition>
     </mc:Choice>
-    <mc:Fallback>
+    <mc:Fallback xmlns="">
       <p:transition spd="slow">
         <p:fade/>
       </p:transition>
@@ -10475,7 +11050,7 @@
 </file>
 
 <file path=ppt/slides/slide8.xml><?xml version="1.0" encoding="utf-8"?>
-<p:sld xmlns:a="http://schemas.openxmlformats.org/drawingml/2006/main" xmlns:r="http://schemas.openxmlformats.org/officeDocument/2006/relationships" xmlns:p="http://schemas.openxmlformats.org/presentationml/2006/main">
+<p:sld xmlns:a="http://schemas.openxmlformats.org/drawingml/2006/main" xmlns:r="http://schemas.openxmlformats.org/officeDocument/2006/relationships" xmlns:p="http://schemas.openxmlformats.org/presentationml/2006/main" show="0">
   <p:cSld>
     <p:spTree>
       <p:nvGrpSpPr>
@@ -10803,13 +11378,13 @@
   <p:clrMapOvr>
     <a:masterClrMapping/>
   </p:clrMapOvr>
-  <mc:AlternateContent xmlns:mc="http://schemas.openxmlformats.org/markup-compatibility/2006">
-    <mc:Choice xmlns:p14="http://schemas.microsoft.com/office/powerpoint/2010/main" Requires="p14">
+  <mc:AlternateContent xmlns:mc="http://schemas.openxmlformats.org/markup-compatibility/2006" xmlns:p14="http://schemas.microsoft.com/office/powerpoint/2010/main">
+    <mc:Choice Requires="p14">
       <p:transition spd="slow" p14:dur="1300">
         <p14:pan dir="u"/>
       </p:transition>
     </mc:Choice>
-    <mc:Fallback>
+    <mc:Fallback xmlns="">
       <p:transition spd="slow">
         <p:fade/>
       </p:transition>
@@ -10905,7 +11480,7 @@
 </file>
 
 <file path=ppt/slides/slide9.xml><?xml version="1.0" encoding="utf-8"?>
-<p:sld xmlns:a="http://schemas.openxmlformats.org/drawingml/2006/main" xmlns:r="http://schemas.openxmlformats.org/officeDocument/2006/relationships" xmlns:p="http://schemas.openxmlformats.org/presentationml/2006/main">
+<p:sld xmlns:a="http://schemas.openxmlformats.org/drawingml/2006/main" xmlns:r="http://schemas.openxmlformats.org/officeDocument/2006/relationships" xmlns:p="http://schemas.openxmlformats.org/presentationml/2006/main" show="0">
   <p:cSld>
     <p:spTree>
       <p:nvGrpSpPr>
@@ -11451,13 +12026,13 @@
   <p:clrMapOvr>
     <a:masterClrMapping/>
   </p:clrMapOvr>
-  <mc:AlternateContent xmlns:mc="http://schemas.openxmlformats.org/markup-compatibility/2006">
-    <mc:Choice xmlns:p14="http://schemas.microsoft.com/office/powerpoint/2010/main" Requires="p14">
+  <mc:AlternateContent xmlns:mc="http://schemas.openxmlformats.org/markup-compatibility/2006" xmlns:p14="http://schemas.microsoft.com/office/powerpoint/2010/main">
+    <mc:Choice Requires="p14">
       <p:transition spd="slow" p14:dur="1300">
         <p14:pan dir="u"/>
       </p:transition>
     </mc:Choice>
-    <mc:Fallback>
+    <mc:Fallback xmlns="">
       <p:transition spd="slow">
         <p:fade/>
       </p:transition>
